--- a/SoftSkill PPT.pptx
+++ b/SoftSkill PPT.pptx
@@ -16,7 +16,7 @@
     <p:sldId id="265" r:id="rId10"/>
     <p:sldId id="266" r:id="rId11"/>
     <p:sldId id="267" r:id="rId12"/>
-    <p:sldId id="268" r:id="rId13"/>
+    <p:sldId id="269" r:id="rId13"/>
   </p:sldIdLst>
   <p:sldSz cx="12192000" cy="6858000"/>
   <p:notesSz cx="6858000" cy="9144000"/>
@@ -6460,7 +6460,7 @@
           <p:cNvPr id="2" name="Title 1">
             <a:extLst>
               <a:ext uri="{FF2B5EF4-FFF2-40B4-BE49-F238E27FC236}">
-                <a16:creationId xmlns:a16="http://schemas.microsoft.com/office/drawing/2014/main" id="{4037655D-C787-393B-A0E0-A105E05961CF}"/>
+                <a16:creationId xmlns:a16="http://schemas.microsoft.com/office/drawing/2014/main" id="{B316D5AF-84DA-D51B-E0A9-E88380DDFCB7}"/>
               </a:ext>
             </a:extLst>
           </p:cNvPr>
@@ -6473,8 +6473,8 @@
         </p:nvSpPr>
         <p:spPr>
           <a:xfrm>
-            <a:off x="677334" y="3035431"/>
-            <a:ext cx="8596668" cy="1866507"/>
+            <a:off x="1290076" y="2391265"/>
+            <a:ext cx="8596668" cy="1869649"/>
           </a:xfrm>
         </p:spPr>
         <p:txBody>
@@ -6484,11 +6484,7 @@
           <a:lstStyle/>
           <a:p>
             <a:r>
-              <a:rPr lang="en-IN" sz="8800" dirty="0"/>
-              <a:t>    </a:t>
-            </a:r>
-            <a:r>
-              <a:rPr lang="en-IN" sz="8800" b="1" dirty="0">
+              <a:rPr lang="en-IN" sz="9600" b="1" dirty="0">
                 <a:solidFill>
                   <a:schemeClr val="accent1">
                     <a:lumMod val="50000"/>
@@ -6503,7 +6499,7 @@
     </p:spTree>
     <p:extLst>
       <p:ext uri="{BB962C8B-B14F-4D97-AF65-F5344CB8AC3E}">
-        <p14:creationId xmlns:p14="http://schemas.microsoft.com/office/powerpoint/2010/main" val="2690815166"/>
+        <p14:creationId xmlns:p14="http://schemas.microsoft.com/office/powerpoint/2010/main" val="4286579129"/>
       </p:ext>
     </p:extLst>
   </p:cSld>
